--- a/topic09/talk-2/project-2.pptx
+++ b/topic09/talk-2/project-2.pptx
@@ -6536,7 +6536,7 @@
           <p:nvPr>
             <p:extLst>
               <p:ext uri="{D42A27DB-BD31-4B8C-83A1-F6EECF244321}">
-                <p14:modId xmlns:p14="http://schemas.microsoft.com/office/powerpoint/2010/main" val="1494777084"/>
+                <p14:modId xmlns:p14="http://schemas.microsoft.com/office/powerpoint/2010/main" val="578466594"/>
               </p:ext>
             </p:extLst>
           </p:nvPr>
@@ -6609,7 +6609,7 @@
                         </a:defRPr>
                       </a:pPr>
                       <a:r>
-                        <a:rPr sz="2200" b="1" i="1">
+                        <a:rPr sz="2200" b="1" i="1" dirty="0">
                           <a:solidFill>
                             <a:srgbClr val="FFFFFF"/>
                           </a:solidFill>
@@ -6791,7 +6791,7 @@
                       </a:r>
                       <a:r>
                         <a:rPr lang="en-IE" sz="2200" b="1" i="1" dirty="0" smtClean="0"/>
-                        <a:t>None</a:t>
+                        <a:t>none</a:t>
                       </a:r>
                       <a:endParaRPr sz="2200" b="1" i="1" dirty="0"/>
                     </a:p>
@@ -6863,7 +6863,11 @@
                       </a:pPr>
                       <a:r>
                         <a:rPr lang="en-IE" sz="2200" b="1" i="1" dirty="0" smtClean="0"/>
-                        <a:t>EJS Templates with Layouts</a:t>
+                        <a:t>EJS </a:t>
+                      </a:r>
+                      <a:r>
+                        <a:rPr lang="en-IE" sz="2200" b="1" i="1" dirty="0" smtClean="0"/>
+                        <a:t>Templates</a:t>
                       </a:r>
                       <a:endParaRPr sz="2200" b="1" i="1" dirty="0"/>
                     </a:p>
@@ -6970,11 +6974,15 @@
                       </a:pPr>
                       <a:r>
                         <a:rPr lang="en-IE" sz="2200" b="1" i="1" dirty="0" smtClean="0"/>
-                        <a:t>Jade</a:t>
+                        <a:t>EJS Templates</a:t>
                       </a:r>
                       <a:r>
                         <a:rPr lang="en-IE" sz="2200" b="1" i="1" baseline="0" dirty="0" smtClean="0"/>
-                        <a:t> Templates &amp; Layouts</a:t>
+                        <a:t> + </a:t>
+                      </a:r>
+                      <a:r>
+                        <a:rPr lang="en-IE" sz="2200" b="1" i="1" baseline="0" dirty="0" smtClean="0"/>
+                        <a:t>Layouts</a:t>
                       </a:r>
                       <a:endParaRPr sz="2200" b="1" i="1" dirty="0"/>
                     </a:p>
@@ -7050,12 +7058,8 @@
                         <a:defRPr sz="1800" b="0" i="0"/>
                       </a:pPr>
                       <a:r>
-                        <a:rPr lang="en-IE" sz="2200" b="1" i="1" dirty="0" smtClean="0"/>
-                        <a:t>Use</a:t>
-                      </a:r>
-                      <a:r>
-                        <a:rPr lang="en-IE" sz="2200" b="1" i="1" baseline="0" dirty="0" smtClean="0"/>
-                        <a:t> of &lt;script&gt; in Semantic UI</a:t>
+                        <a:rPr lang="en-IE" sz="2200" b="1" i="1" baseline="0" smtClean="0"/>
+                        <a:t>Semantic UI form Components </a:t>
                       </a:r>
                       <a:endParaRPr sz="2200" b="1" i="1" dirty="0"/>
                     </a:p>
@@ -7072,11 +7076,11 @@
                       </a:pPr>
                       <a:r>
                         <a:rPr lang="en-IE" sz="2200" b="1" i="1" dirty="0" smtClean="0"/>
-                        <a:t>Jade </a:t>
+                        <a:t>Use of ‘current’ in navigation</a:t>
                       </a:r>
                       <a:r>
-                        <a:rPr lang="en-IE" sz="2200" b="1" i="1" dirty="0" err="1" smtClean="0"/>
-                        <a:t>Mixins</a:t>
+                        <a:rPr lang="en-IE" sz="2200" b="1" i="1" baseline="0" dirty="0" smtClean="0"/>
+                        <a:t> template</a:t>
                       </a:r>
                       <a:endParaRPr sz="2200" b="1" i="1" dirty="0"/>
                     </a:p>
@@ -7114,7 +7118,11 @@
                       </a:pPr>
                       <a:r>
                         <a:rPr lang="en-IE" sz="2200" b="1" i="1" dirty="0" smtClean="0"/>
-                        <a:t>Deployed to</a:t>
+                        <a:t>deployed </a:t>
+                      </a:r>
+                      <a:r>
+                        <a:rPr lang="en-IE" sz="2200" b="1" i="1" dirty="0" smtClean="0"/>
+                        <a:t>to</a:t>
                       </a:r>
                       <a:r>
                         <a:rPr lang="en-IE" sz="2200" b="1" i="1" baseline="0" dirty="0" smtClean="0"/>
